--- a/slides/Claude-Skills-for-Intelligent-Textbooks.pptx
+++ b/slides/Claude-Skills-for-Intelligent-Textbooks.pptx
@@ -3408,6 +3408,12 @@
               <a:t>, 2025</a:t>
             </a:r>
           </a:p>
+          <a:p>
+            <a:r>
+              <a:rPr lang="en-US" dirty="0"/>
+              <a:t>Version 0.03</a:t>
+            </a:r>
+          </a:p>
         </p:txBody>
       </p:sp>
     </p:spTree>
@@ -4138,6 +4144,13 @@
           <a:solidFill>
             <a:schemeClr val="bg1"/>
           </a:solidFill>
+          <a:effectLst>
+            <a:outerShdw blurRad="50800" dist="38100" dir="2700000" sx="102000" sy="102000" algn="tl" rotWithShape="0">
+              <a:prstClr val="black">
+                <a:alpha val="40000"/>
+              </a:prstClr>
+            </a:outerShdw>
+          </a:effectLst>
         </p:spPr>
         <p:style>
           <a:lnRef idx="2">
@@ -4241,6 +4254,13 @@
           <a:solidFill>
             <a:schemeClr val="bg1"/>
           </a:solidFill>
+          <a:effectLst>
+            <a:outerShdw blurRad="50800" dist="38100" dir="2700000" sx="102000" sy="102000" algn="tl" rotWithShape="0">
+              <a:prstClr val="black">
+                <a:alpha val="40000"/>
+              </a:prstClr>
+            </a:outerShdw>
+          </a:effectLst>
         </p:spPr>
         <p:style>
           <a:lnRef idx="2">
